--- a/Documentation/Meetings/capstone_meeting_3-04-15.pptx
+++ b/Documentation/Meetings/capstone_meeting_3-04-15.pptx
@@ -197,7 +197,7 @@
           <a:p>
             <a:fld id="{78B62AC1-9CAA-4F82-9BCB-A0BF81E43D59}" type="datetimeFigureOut">
               <a:rPr lang="en-US" smtClean="0"/>
-              <a:t>3/2/2015</a:t>
+              <a:t>3/3/2015</a:t>
             </a:fld>
             <a:endParaRPr lang="en-US"/>
           </a:p>
@@ -9199,39 +9199,15 @@
                   <a:srgbClr val="FF6600"/>
                 </a:solidFill>
               </a:rPr>
-              <a:t>Weekly meeting, </a:t>
-            </a:r>
-            <a:r>
-              <a:rPr lang="en-US" altLang="en-US" sz="1800" i="1" dirty="0">
+              <a:t>Weekly meeting, 3</a:t>
+            </a:r>
+            <a:r>
+              <a:rPr lang="en-US" altLang="en-US" sz="1800" i="1" dirty="0" smtClean="0">
                 <a:solidFill>
                   <a:srgbClr val="FF6600"/>
                 </a:solidFill>
               </a:rPr>
-              <a:t>3</a:t>
-            </a:r>
-            <a:r>
-              <a:rPr lang="en-US" altLang="en-US" sz="1800" i="1" dirty="0" smtClean="0">
-                <a:solidFill>
-                  <a:srgbClr val="FF6600"/>
-                </a:solidFill>
-              </a:rPr>
-              <a:t>/04/2015 </a:t>
-            </a:r>
-            <a:r>
-              <a:rPr lang="en-US" altLang="en-US" sz="1800" i="1" dirty="0" smtClean="0">
-                <a:solidFill>
-                  <a:srgbClr val="FF6600"/>
-                </a:solidFill>
-              </a:rPr>
-              <a:t>(Week </a:t>
-            </a:r>
-            <a:r>
-              <a:rPr lang="en-US" altLang="en-US" sz="1800" i="1" dirty="0" smtClean="0">
-                <a:solidFill>
-                  <a:srgbClr val="FF6600"/>
-                </a:solidFill>
-              </a:rPr>
-              <a:t>9)</a:t>
+              <a:t>/04/2015 (Week 9)</a:t>
             </a:r>
             <a:endParaRPr lang="en-US" altLang="en-US" sz="1800" i="1" dirty="0">
               <a:solidFill>
@@ -10400,8 +10376,8 @@
         </p:nvSpPr>
         <p:spPr bwMode="auto">
           <a:xfrm>
-            <a:off x="1627909" y="1295400"/>
-            <a:ext cx="8343900" cy="4876800"/>
+            <a:off x="1047048" y="1295400"/>
+            <a:ext cx="9505622" cy="4876800"/>
           </a:xfrm>
           <a:prstGeom prst="rect">
             <a:avLst/>
@@ -10796,8 +10772,21 @@
                   <a:srgbClr val="000000"/>
                 </a:solidFill>
               </a:rPr>
-              <a:t>Connect to the GEVCU to verify messages</a:t>
-            </a:r>
+              <a:t>Connect to the GEVCU to verify </a:t>
+            </a:r>
+            <a:r>
+              <a:rPr lang="en-US" altLang="en-US" sz="2000" b="0" dirty="0" smtClean="0">
+                <a:solidFill>
+                  <a:srgbClr val="000000"/>
+                </a:solidFill>
+              </a:rPr>
+              <a:t>messages using Michal’s instructions</a:t>
+            </a:r>
+            <a:endParaRPr lang="en-US" altLang="en-US" sz="2000" b="0" dirty="0" smtClean="0">
+              <a:solidFill>
+                <a:srgbClr val="000000"/>
+              </a:solidFill>
+            </a:endParaRPr>
           </a:p>
           <a:p>
             <a:pPr marL="800100" lvl="1" indent="-342900" defTabSz="457200" eaLnBrk="0" fontAlgn="base" hangingPunct="0">
@@ -10821,8 +10810,13 @@
                   <a:srgbClr val="000000"/>
                 </a:solidFill>
               </a:rPr>
-              <a:t>Follow up with Michal about BMS messages</a:t>
-            </a:r>
+              <a:t>Connecting to the GEVCU should also give us BMS messages</a:t>
+            </a:r>
+            <a:endParaRPr lang="en-US" altLang="en-US" sz="2000" b="0" dirty="0" smtClean="0">
+              <a:solidFill>
+                <a:srgbClr val="000000"/>
+              </a:solidFill>
+            </a:endParaRPr>
           </a:p>
           <a:p>
             <a:pPr marL="400050" indent="-342900" defTabSz="457200" eaLnBrk="0" fontAlgn="base" hangingPunct="0">
@@ -10846,15 +10840,7 @@
                   <a:srgbClr val="000000"/>
                 </a:solidFill>
               </a:rPr>
-              <a:t>Enclosure</a:t>
-            </a:r>
-            <a:r>
-              <a:rPr lang="en-US" altLang="en-US" b="0" dirty="0" smtClean="0">
-                <a:solidFill>
-                  <a:srgbClr val="000000"/>
-                </a:solidFill>
-              </a:rPr>
-              <a:t>	</a:t>
+              <a:t>Enclosure	</a:t>
             </a:r>
             <a:endParaRPr lang="en-US" altLang="en-US" sz="2000" b="0" dirty="0">
               <a:solidFill>
@@ -10909,15 +10895,7 @@
                   <a:srgbClr val="000000"/>
                 </a:solidFill>
               </a:rPr>
-              <a:t>Check to see if other screen location is </a:t>
-            </a:r>
-            <a:r>
-              <a:rPr lang="en-US" altLang="en-US" sz="2000" b="0" dirty="0" smtClean="0">
-                <a:solidFill>
-                  <a:srgbClr val="000000"/>
-                </a:solidFill>
-              </a:rPr>
-              <a:t>possible</a:t>
+              <a:t>Check to see if other screen location is possible</a:t>
             </a:r>
           </a:p>
           <a:p>
@@ -10972,7 +10950,15 @@
                   <a:srgbClr val="000000"/>
                 </a:solidFill>
               </a:rPr>
-              <a:t>Continue work on wiki</a:t>
+              <a:t>Continue work </a:t>
+            </a:r>
+            <a:r>
+              <a:rPr lang="en-US" altLang="en-US" sz="2000" b="0" dirty="0" smtClean="0">
+                <a:solidFill>
+                  <a:srgbClr val="000000"/>
+                </a:solidFill>
+              </a:rPr>
+              <a:t>on the wiki, Michal requested our Bios and current roles</a:t>
             </a:r>
             <a:endParaRPr lang="en-US" altLang="en-US" sz="2000" b="0" dirty="0">
               <a:solidFill>
@@ -11002,7 +10988,23 @@
                   <a:srgbClr val="000000"/>
                 </a:solidFill>
               </a:rPr>
-              <a:t>Continue work on report outline</a:t>
+              <a:t>Continue work </a:t>
+            </a:r>
+            <a:r>
+              <a:rPr lang="en-US" altLang="en-US" sz="2000" b="0" dirty="0" smtClean="0">
+                <a:solidFill>
+                  <a:srgbClr val="000000"/>
+                </a:solidFill>
+              </a:rPr>
+              <a:t>on the </a:t>
+            </a:r>
+            <a:r>
+              <a:rPr lang="en-US" altLang="en-US" sz="2000" b="0" dirty="0" smtClean="0">
+                <a:solidFill>
+                  <a:srgbClr val="000000"/>
+                </a:solidFill>
+              </a:rPr>
+              <a:t>report outline</a:t>
             </a:r>
             <a:endParaRPr lang="en-US" altLang="en-US" sz="2000" b="0" dirty="0">
               <a:solidFill>
@@ -12664,7 +12666,7 @@
   <a:extraClrSchemeLst/>
   <a:extLst>
     <a:ext uri="{05A4C25C-085E-4340-85A3-A5531E510DB2}">
-      <thm15:themeFamily xmlns:thm15="http://schemas.microsoft.com/office/thememl/2012/main" xmlns="" name="Office Theme" id="{62F939B6-93AF-4DB8-9C6B-D6C7DFDC589F}" vid="{4A3C46E8-61CC-4603-A589-7422A47A8E4A}"/>
+      <thm15:themeFamily xmlns="" xmlns:thm15="http://schemas.microsoft.com/office/thememl/2012/main" name="Office Theme" id="{62F939B6-93AF-4DB8-9C6B-D6C7DFDC589F}" vid="{4A3C46E8-61CC-4603-A589-7422A47A8E4A}"/>
     </a:ext>
   </a:extLst>
 </a:theme>
